--- a/figures/hardware.pptx
+++ b/figures/hardware.pptx
@@ -243,7 +243,7 @@
           <a:p>
             <a:fld id="{29ECB265-18A1-4B44-AB36-1A05960C5FFF}" type="datetimeFigureOut">
               <a:rPr lang="zh-CN" altLang="en-US" smtClean="0"/>
-              <a:t>2018/9/11</a:t>
+              <a:t>2018/9/25</a:t>
             </a:fld>
             <a:endParaRPr lang="zh-CN" altLang="en-US"/>
           </a:p>
@@ -413,7 +413,7 @@
           <a:p>
             <a:fld id="{29ECB265-18A1-4B44-AB36-1A05960C5FFF}" type="datetimeFigureOut">
               <a:rPr lang="zh-CN" altLang="en-US" smtClean="0"/>
-              <a:t>2018/9/11</a:t>
+              <a:t>2018/9/25</a:t>
             </a:fld>
             <a:endParaRPr lang="zh-CN" altLang="en-US"/>
           </a:p>
@@ -593,7 +593,7 @@
           <a:p>
             <a:fld id="{29ECB265-18A1-4B44-AB36-1A05960C5FFF}" type="datetimeFigureOut">
               <a:rPr lang="zh-CN" altLang="en-US" smtClean="0"/>
-              <a:t>2018/9/11</a:t>
+              <a:t>2018/9/25</a:t>
             </a:fld>
             <a:endParaRPr lang="zh-CN" altLang="en-US"/>
           </a:p>
@@ -763,7 +763,7 @@
           <a:p>
             <a:fld id="{29ECB265-18A1-4B44-AB36-1A05960C5FFF}" type="datetimeFigureOut">
               <a:rPr lang="zh-CN" altLang="en-US" smtClean="0"/>
-              <a:t>2018/9/11</a:t>
+              <a:t>2018/9/25</a:t>
             </a:fld>
             <a:endParaRPr lang="zh-CN" altLang="en-US"/>
           </a:p>
@@ -1007,7 +1007,7 @@
           <a:p>
             <a:fld id="{29ECB265-18A1-4B44-AB36-1A05960C5FFF}" type="datetimeFigureOut">
               <a:rPr lang="zh-CN" altLang="en-US" smtClean="0"/>
-              <a:t>2018/9/11</a:t>
+              <a:t>2018/9/25</a:t>
             </a:fld>
             <a:endParaRPr lang="zh-CN" altLang="en-US"/>
           </a:p>
@@ -1239,7 +1239,7 @@
           <a:p>
             <a:fld id="{29ECB265-18A1-4B44-AB36-1A05960C5FFF}" type="datetimeFigureOut">
               <a:rPr lang="zh-CN" altLang="en-US" smtClean="0"/>
-              <a:t>2018/9/11</a:t>
+              <a:t>2018/9/25</a:t>
             </a:fld>
             <a:endParaRPr lang="zh-CN" altLang="en-US"/>
           </a:p>
@@ -1606,7 +1606,7 @@
           <a:p>
             <a:fld id="{29ECB265-18A1-4B44-AB36-1A05960C5FFF}" type="datetimeFigureOut">
               <a:rPr lang="zh-CN" altLang="en-US" smtClean="0"/>
-              <a:t>2018/9/11</a:t>
+              <a:t>2018/9/25</a:t>
             </a:fld>
             <a:endParaRPr lang="zh-CN" altLang="en-US"/>
           </a:p>
@@ -1724,7 +1724,7 @@
           <a:p>
             <a:fld id="{29ECB265-18A1-4B44-AB36-1A05960C5FFF}" type="datetimeFigureOut">
               <a:rPr lang="zh-CN" altLang="en-US" smtClean="0"/>
-              <a:t>2018/9/11</a:t>
+              <a:t>2018/9/25</a:t>
             </a:fld>
             <a:endParaRPr lang="zh-CN" altLang="en-US"/>
           </a:p>
@@ -1819,7 +1819,7 @@
           <a:p>
             <a:fld id="{29ECB265-18A1-4B44-AB36-1A05960C5FFF}" type="datetimeFigureOut">
               <a:rPr lang="zh-CN" altLang="en-US" smtClean="0"/>
-              <a:t>2018/9/11</a:t>
+              <a:t>2018/9/25</a:t>
             </a:fld>
             <a:endParaRPr lang="zh-CN" altLang="en-US"/>
           </a:p>
@@ -2096,7 +2096,7 @@
           <a:p>
             <a:fld id="{29ECB265-18A1-4B44-AB36-1A05960C5FFF}" type="datetimeFigureOut">
               <a:rPr lang="zh-CN" altLang="en-US" smtClean="0"/>
-              <a:t>2018/9/11</a:t>
+              <a:t>2018/9/25</a:t>
             </a:fld>
             <a:endParaRPr lang="zh-CN" altLang="en-US"/>
           </a:p>
@@ -2353,7 +2353,7 @@
           <a:p>
             <a:fld id="{29ECB265-18A1-4B44-AB36-1A05960C5FFF}" type="datetimeFigureOut">
               <a:rPr lang="zh-CN" altLang="en-US" smtClean="0"/>
-              <a:t>2018/9/11</a:t>
+              <a:t>2018/9/25</a:t>
             </a:fld>
             <a:endParaRPr lang="zh-CN" altLang="en-US"/>
           </a:p>
@@ -2590,7 +2590,7 @@
           <a:p>
             <a:fld id="{29ECB265-18A1-4B44-AB36-1A05960C5FFF}" type="datetimeFigureOut">
               <a:rPr lang="zh-CN" altLang="en-US" smtClean="0"/>
-              <a:t>2018/9/11</a:t>
+              <a:t>2018/9/25</a:t>
             </a:fld>
             <a:endParaRPr lang="zh-CN" altLang="en-US"/>
           </a:p>
@@ -3196,8 +3196,8 @@
         </p:nvSpPr>
         <p:spPr>
           <a:xfrm>
-            <a:off x="1130300" y="1105469"/>
-            <a:ext cx="5520582" cy="2618445"/>
+            <a:off x="661916" y="1105469"/>
+            <a:ext cx="6478079" cy="2618445"/>
           </a:xfrm>
           <a:prstGeom prst="rect">
             <a:avLst/>
@@ -3242,7 +3242,7 @@
         </p:nvSpPr>
         <p:spPr>
           <a:xfrm>
-            <a:off x="1226403" y="1153236"/>
+            <a:off x="769367" y="1153236"/>
             <a:ext cx="832513" cy="279779"/>
           </a:xfrm>
           <a:prstGeom prst="rect">
@@ -3309,8 +3309,8 @@
         </p:nvSpPr>
         <p:spPr>
           <a:xfrm>
-            <a:off x="1226403" y="1589965"/>
-            <a:ext cx="1951630" cy="1877135"/>
+            <a:off x="771352" y="1589965"/>
+            <a:ext cx="2133979" cy="1766881"/>
           </a:xfrm>
           <a:prstGeom prst="rect">
             <a:avLst/>
@@ -3373,8 +3373,8 @@
         </p:nvSpPr>
         <p:spPr>
           <a:xfrm>
-            <a:off x="1642659" y="2203826"/>
-            <a:ext cx="701155" cy="174295"/>
+            <a:off x="1199327" y="2203826"/>
+            <a:ext cx="785880" cy="174295"/>
           </a:xfrm>
           <a:prstGeom prst="rect">
             <a:avLst/>
@@ -3422,7 +3422,7 @@
                   <a:srgbClr val="00188F"/>
                 </a:solidFill>
               </a:rPr>
-              <a:t>Stream A</a:t>
+              <a:t>Pre Stream</a:t>
             </a:r>
             <a:endParaRPr lang="zh-CN" altLang="en-US" sz="900" dirty="0">
               <a:solidFill>
@@ -3440,8 +3440,8 @@
         </p:nvSpPr>
         <p:spPr>
           <a:xfrm>
-            <a:off x="2406935" y="2203826"/>
-            <a:ext cx="701155" cy="174295"/>
+            <a:off x="2052467" y="2203826"/>
+            <a:ext cx="782922" cy="174295"/>
           </a:xfrm>
           <a:prstGeom prst="rect">
             <a:avLst/>
@@ -3489,7 +3489,7 @@
                   <a:srgbClr val="00188F"/>
                 </a:solidFill>
               </a:rPr>
-              <a:t>Stream B</a:t>
+              <a:t>Post Stream</a:t>
             </a:r>
             <a:endParaRPr lang="zh-CN" altLang="en-US" sz="900" dirty="0">
               <a:solidFill>
@@ -3507,8 +3507,8 @@
         </p:nvSpPr>
         <p:spPr>
           <a:xfrm>
-            <a:off x="1860274" y="2459570"/>
-            <a:ext cx="1036170" cy="174295"/>
+            <a:off x="1421438" y="2459570"/>
+            <a:ext cx="1202304" cy="174295"/>
           </a:xfrm>
           <a:prstGeom prst="rect">
             <a:avLst/>
@@ -3574,8 +3574,8 @@
         </p:nvSpPr>
         <p:spPr>
           <a:xfrm>
-            <a:off x="1860274" y="2676940"/>
-            <a:ext cx="1036170" cy="174295"/>
+            <a:off x="1421438" y="2676940"/>
+            <a:ext cx="1202304" cy="174295"/>
           </a:xfrm>
           <a:prstGeom prst="rect">
             <a:avLst/>
@@ -3641,8 +3641,8 @@
         </p:nvSpPr>
         <p:spPr>
           <a:xfrm>
-            <a:off x="1860274" y="3217028"/>
-            <a:ext cx="1036170" cy="174295"/>
+            <a:off x="1421438" y="3076125"/>
+            <a:ext cx="1202304" cy="174295"/>
           </a:xfrm>
           <a:prstGeom prst="rect">
             <a:avLst/>
@@ -3708,7 +3708,7 @@
         </p:nvSpPr>
         <p:spPr>
           <a:xfrm>
-            <a:off x="2345520" y="1153240"/>
+            <a:off x="2072818" y="1153240"/>
             <a:ext cx="832513" cy="279779"/>
           </a:xfrm>
           <a:prstGeom prst="rect">
@@ -3775,8 +3775,8 @@
         </p:nvSpPr>
         <p:spPr>
           <a:xfrm rot="16200000">
-            <a:off x="823725" y="2683274"/>
-            <a:ext cx="1187498" cy="228599"/>
+            <a:off x="443338" y="2612824"/>
+            <a:ext cx="1046597" cy="228599"/>
           </a:xfrm>
           <a:prstGeom prst="rect">
             <a:avLst/>
@@ -3842,8 +3842,8 @@
         </p:nvSpPr>
         <p:spPr>
           <a:xfrm>
-            <a:off x="1303172" y="1798809"/>
-            <a:ext cx="1804917" cy="248072"/>
+            <a:off x="850529" y="1798809"/>
+            <a:ext cx="1984859" cy="248072"/>
           </a:xfrm>
           <a:prstGeom prst="rect">
             <a:avLst/>
@@ -3901,84 +3901,6 @@
       </p:sp>
       <p:cxnSp>
         <p:nvCxnSpPr>
-          <p:cNvPr id="8" name="直接箭头连接符 7"/>
-          <p:cNvCxnSpPr>
-            <a:stCxn id="29" idx="0"/>
-          </p:cNvCxnSpPr>
-          <p:nvPr/>
-        </p:nvCxnSpPr>
-        <p:spPr>
-          <a:xfrm flipH="1" flipV="1">
-            <a:off x="1993236" y="2046880"/>
-            <a:ext cx="1" cy="156946"/>
-          </a:xfrm>
-          <a:prstGeom prst="straightConnector1">
-            <a:avLst/>
-          </a:prstGeom>
-          <a:ln w="9525">
-            <a:solidFill>
-              <a:srgbClr val="525252"/>
-            </a:solidFill>
-            <a:headEnd type="triangle" w="sm" len="med"/>
-            <a:tailEnd type="none" w="sm" len="med"/>
-          </a:ln>
-        </p:spPr>
-        <p:style>
-          <a:lnRef idx="1">
-            <a:schemeClr val="accent1"/>
-          </a:lnRef>
-          <a:fillRef idx="0">
-            <a:schemeClr val="accent1"/>
-          </a:fillRef>
-          <a:effectRef idx="0">
-            <a:schemeClr val="accent1"/>
-          </a:effectRef>
-          <a:fontRef idx="minor">
-            <a:schemeClr val="tx1"/>
-          </a:fontRef>
-        </p:style>
-      </p:cxnSp>
-      <p:cxnSp>
-        <p:nvCxnSpPr>
-          <p:cNvPr id="15" name="直接箭头连接符 14"/>
-          <p:cNvCxnSpPr>
-            <a:stCxn id="30" idx="0"/>
-          </p:cNvCxnSpPr>
-          <p:nvPr/>
-        </p:nvCxnSpPr>
-        <p:spPr>
-          <a:xfrm flipV="1">
-            <a:off x="2757513" y="2046880"/>
-            <a:ext cx="253" cy="156946"/>
-          </a:xfrm>
-          <a:prstGeom prst="straightConnector1">
-            <a:avLst/>
-          </a:prstGeom>
-          <a:ln w="9525">
-            <a:solidFill>
-              <a:srgbClr val="525252"/>
-            </a:solidFill>
-            <a:headEnd w="sm" len="med"/>
-            <a:tailEnd type="triangle" w="sm" len="med"/>
-          </a:ln>
-        </p:spPr>
-        <p:style>
-          <a:lnRef idx="1">
-            <a:schemeClr val="accent1"/>
-          </a:lnRef>
-          <a:fillRef idx="0">
-            <a:schemeClr val="accent1"/>
-          </a:fillRef>
-          <a:effectRef idx="0">
-            <a:schemeClr val="accent1"/>
-          </a:effectRef>
-          <a:fontRef idx="minor">
-            <a:schemeClr val="tx1"/>
-          </a:fontRef>
-        </p:style>
-      </p:cxnSp>
-      <p:cxnSp>
-        <p:nvCxnSpPr>
           <p:cNvPr id="19" name="直接箭头连接符 18"/>
           <p:cNvCxnSpPr>
             <a:stCxn id="35" idx="3"/>
@@ -3987,8 +3909,8 @@
         </p:nvCxnSpPr>
         <p:spPr>
           <a:xfrm flipV="1">
-            <a:off x="1417474" y="2046881"/>
-            <a:ext cx="1194" cy="156944"/>
+            <a:off x="966637" y="2046881"/>
+            <a:ext cx="1192" cy="156944"/>
           </a:xfrm>
           <a:prstGeom prst="straightConnector1">
             <a:avLst/>
@@ -4026,7 +3948,7 @@
         </p:nvCxnSpPr>
         <p:spPr>
           <a:xfrm flipH="1">
-            <a:off x="1642659" y="1433015"/>
+            <a:off x="1185623" y="1433015"/>
             <a:ext cx="1" cy="365794"/>
           </a:xfrm>
           <a:prstGeom prst="straightConnector1">
@@ -4063,8 +3985,8 @@
         </p:nvCxnSpPr>
         <p:spPr>
           <a:xfrm>
-            <a:off x="1722025" y="2378121"/>
-            <a:ext cx="0" cy="920931"/>
+            <a:off x="1278693" y="2378121"/>
+            <a:ext cx="0" cy="780028"/>
           </a:xfrm>
           <a:prstGeom prst="line">
             <a:avLst/>
@@ -4095,14 +4017,12 @@
       <p:cxnSp>
         <p:nvCxnSpPr>
           <p:cNvPr id="46" name="直接箭头连接符 45"/>
-          <p:cNvCxnSpPr>
-            <a:stCxn id="31" idx="1"/>
-          </p:cNvCxnSpPr>
+          <p:cNvCxnSpPr/>
           <p:nvPr/>
         </p:nvCxnSpPr>
         <p:spPr>
           <a:xfrm flipH="1">
-            <a:off x="1722024" y="2546718"/>
+            <a:off x="1278692" y="2546718"/>
             <a:ext cx="138250" cy="2613"/>
           </a:xfrm>
           <a:prstGeom prst="straightConnector1">
@@ -4134,14 +4054,12 @@
       <p:cxnSp>
         <p:nvCxnSpPr>
           <p:cNvPr id="50" name="直接箭头连接符 49"/>
-          <p:cNvCxnSpPr>
-            <a:stCxn id="32" idx="1"/>
-          </p:cNvCxnSpPr>
+          <p:cNvCxnSpPr/>
           <p:nvPr/>
         </p:nvCxnSpPr>
         <p:spPr>
           <a:xfrm flipH="1">
-            <a:off x="1722025" y="2764088"/>
+            <a:off x="1278693" y="2764088"/>
             <a:ext cx="138249" cy="1925"/>
           </a:xfrm>
           <a:prstGeom prst="straightConnector1">
@@ -4173,14 +4091,12 @@
       <p:cxnSp>
         <p:nvCxnSpPr>
           <p:cNvPr id="53" name="直接箭头连接符 52"/>
-          <p:cNvCxnSpPr>
-            <a:stCxn id="33" idx="1"/>
-          </p:cNvCxnSpPr>
+          <p:cNvCxnSpPr/>
           <p:nvPr/>
         </p:nvCxnSpPr>
         <p:spPr>
           <a:xfrm flipH="1" flipV="1">
-            <a:off x="1722024" y="3299052"/>
+            <a:off x="1278692" y="3158149"/>
             <a:ext cx="138250" cy="5124"/>
           </a:xfrm>
           <a:prstGeom prst="straightConnector1">
@@ -4217,8 +4133,8 @@
         </p:nvCxnSpPr>
         <p:spPr>
           <a:xfrm>
-            <a:off x="3035843" y="2378121"/>
-            <a:ext cx="0" cy="920931"/>
+            <a:off x="2763141" y="2378121"/>
+            <a:ext cx="0" cy="780028"/>
           </a:xfrm>
           <a:prstGeom prst="line">
             <a:avLst/>
@@ -4256,7 +4172,7 @@
         </p:nvCxnSpPr>
         <p:spPr>
           <a:xfrm flipV="1">
-            <a:off x="2896444" y="3299052"/>
+            <a:off x="2623742" y="3158149"/>
             <a:ext cx="138675" cy="5124"/>
           </a:xfrm>
           <a:prstGeom prst="straightConnector1">
@@ -4295,7 +4211,7 @@
         </p:nvCxnSpPr>
         <p:spPr>
           <a:xfrm>
-            <a:off x="2896444" y="2764088"/>
+            <a:off x="2623742" y="2764088"/>
             <a:ext cx="138248" cy="0"/>
           </a:xfrm>
           <a:prstGeom prst="straightConnector1">
@@ -4334,7 +4250,7 @@
         </p:nvCxnSpPr>
         <p:spPr>
           <a:xfrm>
-            <a:off x="2896444" y="2546718"/>
+            <a:off x="2623742" y="2546718"/>
             <a:ext cx="138675" cy="0"/>
           </a:xfrm>
           <a:prstGeom prst="straightConnector1">
@@ -4371,7 +4287,7 @@
         </p:nvCxnSpPr>
         <p:spPr>
           <a:xfrm flipH="1">
-            <a:off x="2757511" y="1425477"/>
+            <a:off x="2484809" y="1425477"/>
             <a:ext cx="1" cy="365794"/>
           </a:xfrm>
           <a:prstGeom prst="straightConnector1">
@@ -4408,7 +4324,7 @@
         </p:nvSpPr>
         <p:spPr>
           <a:xfrm>
-            <a:off x="3699388" y="1387377"/>
+            <a:off x="4188502" y="1387377"/>
             <a:ext cx="2488308" cy="1918741"/>
           </a:xfrm>
           <a:prstGeom prst="rect">
@@ -4472,7 +4388,7 @@
         </p:nvSpPr>
         <p:spPr>
           <a:xfrm rot="5400000">
-            <a:off x="5571160" y="1707661"/>
+            <a:off x="6060274" y="1707661"/>
             <a:ext cx="640189" cy="244055"/>
           </a:xfrm>
           <a:prstGeom prst="rect">
@@ -4547,7 +4463,7 @@
         </p:nvSpPr>
         <p:spPr>
           <a:xfrm rot="5400000">
-            <a:off x="5181324" y="1707662"/>
+            <a:off x="5670438" y="1707662"/>
             <a:ext cx="640189" cy="244055"/>
           </a:xfrm>
           <a:prstGeom prst="rect">
@@ -4630,7 +4546,7 @@
         </p:nvSpPr>
         <p:spPr>
           <a:xfrm>
-            <a:off x="3809556" y="1677461"/>
+            <a:off x="4298670" y="1677461"/>
             <a:ext cx="1248418" cy="1539567"/>
           </a:xfrm>
           <a:prstGeom prst="rect">
@@ -4692,7 +4608,7 @@
         </p:nvSpPr>
         <p:spPr>
           <a:xfrm rot="16200000">
-            <a:off x="6111792" y="2224997"/>
+            <a:off x="6600906" y="2224997"/>
             <a:ext cx="708848" cy="369332"/>
           </a:xfrm>
           <a:prstGeom prst="rect">
@@ -4730,7 +4646,7 @@
         </p:nvSpPr>
         <p:spPr>
           <a:xfrm>
-            <a:off x="5394746" y="1070747"/>
+            <a:off x="5883860" y="1070747"/>
             <a:ext cx="614271" cy="230832"/>
           </a:xfrm>
           <a:prstGeom prst="rect">
@@ -4760,7 +4676,7 @@
         </p:nvSpPr>
         <p:spPr>
           <a:xfrm>
-            <a:off x="5376582" y="3003582"/>
+            <a:off x="5865696" y="3003582"/>
             <a:ext cx="642481" cy="193883"/>
           </a:xfrm>
           <a:prstGeom prst="rect">
@@ -4835,7 +4751,7 @@
         </p:nvSpPr>
         <p:spPr>
           <a:xfrm>
-            <a:off x="5378875" y="2616241"/>
+            <a:off x="5867989" y="2616241"/>
             <a:ext cx="640189" cy="193883"/>
           </a:xfrm>
           <a:prstGeom prst="rect">
@@ -4902,7 +4818,7 @@
         </p:nvSpPr>
         <p:spPr>
           <a:xfrm>
-            <a:off x="5797400" y="2304758"/>
+            <a:off x="6286514" y="2304758"/>
             <a:ext cx="187708" cy="186911"/>
           </a:xfrm>
           <a:prstGeom prst="rect">
@@ -4962,7 +4878,7 @@
         </p:nvCxnSpPr>
         <p:spPr>
           <a:xfrm>
-            <a:off x="5891254" y="2149783"/>
+            <a:off x="6380368" y="2149783"/>
             <a:ext cx="0" cy="154975"/>
           </a:xfrm>
           <a:prstGeom prst="straightConnector1">
@@ -5000,7 +4916,7 @@
         </p:nvCxnSpPr>
         <p:spPr>
           <a:xfrm>
-            <a:off x="5891254" y="2491669"/>
+            <a:off x="6380368" y="2491669"/>
             <a:ext cx="0" cy="124572"/>
           </a:xfrm>
           <a:prstGeom prst="straightConnector1">
@@ -5038,7 +4954,7 @@
         </p:nvCxnSpPr>
         <p:spPr>
           <a:xfrm>
-            <a:off x="5501418" y="2149784"/>
+            <a:off x="5990532" y="2149784"/>
             <a:ext cx="0" cy="466457"/>
           </a:xfrm>
           <a:prstGeom prst="straightConnector1">
@@ -5074,7 +4990,7 @@
         </p:nvSpPr>
         <p:spPr>
           <a:xfrm>
-            <a:off x="5399555" y="3346382"/>
+            <a:off x="5888669" y="3346382"/>
             <a:ext cx="609462" cy="230832"/>
           </a:xfrm>
           <a:prstGeom prst="rect">
@@ -5106,7 +5022,7 @@
         </p:nvCxnSpPr>
         <p:spPr>
           <a:xfrm flipH="1">
-            <a:off x="5697823" y="2810124"/>
+            <a:off x="6186937" y="2810124"/>
             <a:ext cx="1147" cy="193458"/>
           </a:xfrm>
           <a:prstGeom prst="straightConnector1">
@@ -5145,7 +5061,7 @@
         </p:nvCxnSpPr>
         <p:spPr>
           <a:xfrm flipH="1">
-            <a:off x="5697822" y="3197465"/>
+            <a:off x="6186936" y="3197465"/>
             <a:ext cx="1" cy="232033"/>
           </a:xfrm>
           <a:prstGeom prst="straightConnector1">
@@ -5181,7 +5097,7 @@
         </p:nvCxnSpPr>
         <p:spPr>
           <a:xfrm flipH="1">
-            <a:off x="5892820" y="1273428"/>
+            <a:off x="6381934" y="1273428"/>
             <a:ext cx="1" cy="232033"/>
           </a:xfrm>
           <a:prstGeom prst="straightConnector1">
@@ -5217,7 +5133,7 @@
         </p:nvCxnSpPr>
         <p:spPr>
           <a:xfrm flipH="1">
-            <a:off x="5501417" y="1273428"/>
+            <a:off x="5990531" y="1273428"/>
             <a:ext cx="1" cy="232033"/>
           </a:xfrm>
           <a:prstGeom prst="straightConnector1">
@@ -5253,7 +5169,7 @@
         </p:nvSpPr>
         <p:spPr>
           <a:xfrm>
-            <a:off x="3938670" y="2237779"/>
+            <a:off x="4427784" y="2237779"/>
             <a:ext cx="636085" cy="244055"/>
           </a:xfrm>
           <a:prstGeom prst="rect">
@@ -5328,7 +5244,7 @@
         </p:nvSpPr>
         <p:spPr>
           <a:xfrm>
-            <a:off x="3938670" y="1905006"/>
+            <a:off x="4427784" y="1905006"/>
             <a:ext cx="636084" cy="244055"/>
           </a:xfrm>
           <a:prstGeom prst="rect">
@@ -5403,7 +5319,7 @@
         </p:nvSpPr>
         <p:spPr>
           <a:xfrm>
-            <a:off x="3936618" y="2570552"/>
+            <a:off x="4425732" y="2570552"/>
             <a:ext cx="640189" cy="244055"/>
           </a:xfrm>
           <a:prstGeom prst="rect">
@@ -5447,7 +5363,7 @@
           <a:p>
             <a:pPr algn="ctr"/>
             <a:r>
-              <a:rPr lang="en-US" altLang="zh-CN" sz="900" dirty="0" smtClean="0">
+              <a:rPr lang="en-US" altLang="zh-CN" sz="800" dirty="0" smtClean="0">
                 <a:solidFill>
                   <a:srgbClr val="00188F"/>
                 </a:solidFill>
@@ -5455,14 +5371,14 @@
               <a:t>CONV/FC </a:t>
             </a:r>
             <a:r>
-              <a:rPr lang="en-US" altLang="zh-CN" sz="900" dirty="0" err="1" smtClean="0">
+              <a:rPr lang="en-US" altLang="zh-CN" sz="800" dirty="0" err="1" smtClean="0">
                 <a:solidFill>
                   <a:srgbClr val="00188F"/>
                 </a:solidFill>
               </a:rPr>
               <a:t>cnt</a:t>
             </a:r>
-            <a:endParaRPr lang="zh-CN" altLang="en-US" sz="900" dirty="0">
+            <a:endParaRPr lang="zh-CN" altLang="en-US" sz="800" dirty="0">
               <a:solidFill>
                 <a:srgbClr val="00188F"/>
               </a:solidFill>
@@ -5478,7 +5394,7 @@
         </p:nvSpPr>
         <p:spPr>
           <a:xfrm>
-            <a:off x="3936618" y="2903326"/>
+            <a:off x="4425732" y="2903326"/>
             <a:ext cx="640189" cy="244055"/>
           </a:xfrm>
           <a:prstGeom prst="rect">
@@ -5522,7 +5438,7 @@
           <a:p>
             <a:pPr algn="ctr"/>
             <a:r>
-              <a:rPr lang="en-US" altLang="zh-CN" sz="900" dirty="0" smtClean="0">
+              <a:rPr lang="en-US" altLang="zh-CN" sz="800" dirty="0" smtClean="0">
                 <a:solidFill>
                   <a:srgbClr val="00188F"/>
                 </a:solidFill>
@@ -5530,14 +5446,14 @@
               <a:t>CONV/FC </a:t>
             </a:r>
             <a:r>
-              <a:rPr lang="en-US" altLang="zh-CN" sz="900" dirty="0" err="1" smtClean="0">
+              <a:rPr lang="en-US" altLang="zh-CN" sz="800" dirty="0" err="1" smtClean="0">
                 <a:solidFill>
                   <a:srgbClr val="00188F"/>
                 </a:solidFill>
               </a:rPr>
               <a:t>cnt</a:t>
             </a:r>
-            <a:endParaRPr lang="zh-CN" altLang="en-US" sz="900" dirty="0">
+            <a:endParaRPr lang="zh-CN" altLang="en-US" sz="800" dirty="0">
               <a:solidFill>
                 <a:srgbClr val="00188F"/>
               </a:solidFill>
@@ -5553,7 +5469,7 @@
         </p:nvSpPr>
         <p:spPr>
           <a:xfrm rot="5400000">
-            <a:off x="4218856" y="2441475"/>
+            <a:off x="4707970" y="2441475"/>
             <a:ext cx="1241633" cy="164782"/>
           </a:xfrm>
           <a:prstGeom prst="trapezoid">
@@ -5622,7 +5538,7 @@
         </p:nvCxnSpPr>
         <p:spPr>
           <a:xfrm>
-            <a:off x="4574754" y="2027034"/>
+            <a:off x="5063868" y="2027034"/>
             <a:ext cx="175458" cy="0"/>
           </a:xfrm>
           <a:prstGeom prst="straightConnector1">
@@ -5660,7 +5576,7 @@
         </p:nvCxnSpPr>
         <p:spPr>
           <a:xfrm flipV="1">
-            <a:off x="4574755" y="2359806"/>
+            <a:off x="5063869" y="2359806"/>
             <a:ext cx="182525" cy="1"/>
           </a:xfrm>
           <a:prstGeom prst="straightConnector1">
@@ -5698,7 +5614,7 @@
         </p:nvCxnSpPr>
         <p:spPr>
           <a:xfrm flipV="1">
-            <a:off x="4576807" y="2692579"/>
+            <a:off x="5065921" y="2692579"/>
             <a:ext cx="175210" cy="1"/>
           </a:xfrm>
           <a:prstGeom prst="straightConnector1">
@@ -5736,7 +5652,7 @@
         </p:nvCxnSpPr>
         <p:spPr>
           <a:xfrm flipV="1">
-            <a:off x="4576807" y="3025352"/>
+            <a:off x="5065921" y="3025352"/>
             <a:ext cx="180473" cy="2"/>
           </a:xfrm>
           <a:prstGeom prst="straightConnector1">
@@ -5772,7 +5688,7 @@
         </p:nvCxnSpPr>
         <p:spPr>
           <a:xfrm>
-            <a:off x="4922041" y="2193511"/>
+            <a:off x="5411155" y="2193511"/>
             <a:ext cx="138742" cy="0"/>
           </a:xfrm>
           <a:prstGeom prst="straightConnector1">
@@ -5808,7 +5724,7 @@
         </p:nvCxnSpPr>
         <p:spPr>
           <a:xfrm>
-            <a:off x="4919232" y="2530429"/>
+            <a:off x="5408346" y="2530429"/>
             <a:ext cx="138742" cy="0"/>
           </a:xfrm>
           <a:prstGeom prst="straightConnector1">
@@ -5844,7 +5760,7 @@
         </p:nvCxnSpPr>
         <p:spPr>
           <a:xfrm>
-            <a:off x="4919232" y="2851235"/>
+            <a:off x="5408346" y="2851235"/>
             <a:ext cx="138742" cy="0"/>
           </a:xfrm>
           <a:prstGeom prst="straightConnector1">
@@ -5880,7 +5796,7 @@
         </p:nvSpPr>
         <p:spPr>
           <a:xfrm rot="16200000">
-            <a:off x="3198404" y="2078094"/>
+            <a:off x="3687518" y="2078094"/>
             <a:ext cx="614271" cy="230832"/>
           </a:xfrm>
           <a:prstGeom prst="rect">
@@ -5910,7 +5826,7 @@
         </p:nvSpPr>
         <p:spPr>
           <a:xfrm rot="16200000">
-            <a:off x="3187135" y="2754940"/>
+            <a:off x="3676249" y="2754940"/>
             <a:ext cx="659155" cy="230832"/>
           </a:xfrm>
           <a:prstGeom prst="rect">
@@ -5942,7 +5858,7 @@
         </p:nvCxnSpPr>
         <p:spPr>
           <a:xfrm flipH="1">
-            <a:off x="3573833" y="2692580"/>
+            <a:off x="4062947" y="2692580"/>
             <a:ext cx="362785" cy="0"/>
           </a:xfrm>
           <a:prstGeom prst="straightConnector1">
@@ -5979,7 +5895,7 @@
         </p:nvCxnSpPr>
         <p:spPr>
           <a:xfrm flipH="1">
-            <a:off x="3573832" y="3025352"/>
+            <a:off x="4062946" y="3025352"/>
             <a:ext cx="362785" cy="0"/>
           </a:xfrm>
           <a:prstGeom prst="straightConnector1">
@@ -6016,7 +5932,7 @@
         </p:nvCxnSpPr>
         <p:spPr>
           <a:xfrm flipH="1">
-            <a:off x="3573831" y="2346747"/>
+            <a:off x="4062945" y="2346747"/>
             <a:ext cx="362785" cy="0"/>
           </a:xfrm>
           <a:prstGeom prst="straightConnector1">
@@ -6053,7 +5969,7 @@
         </p:nvCxnSpPr>
         <p:spPr>
           <a:xfrm flipH="1">
-            <a:off x="3573830" y="2020863"/>
+            <a:off x="4062944" y="2020863"/>
             <a:ext cx="362785" cy="0"/>
           </a:xfrm>
           <a:prstGeom prst="straightConnector1">
@@ -6092,7 +6008,7 @@
         </p:nvCxnSpPr>
         <p:spPr>
           <a:xfrm flipV="1">
-            <a:off x="5985108" y="2398213"/>
+            <a:off x="6474222" y="2398213"/>
             <a:ext cx="382502" cy="1"/>
           </a:xfrm>
           <a:prstGeom prst="straightConnector1">
@@ -6129,7 +6045,7 @@
         </p:nvCxnSpPr>
         <p:spPr>
           <a:xfrm>
-            <a:off x="5057974" y="2523866"/>
+            <a:off x="5547088" y="2523866"/>
             <a:ext cx="149026" cy="0"/>
           </a:xfrm>
           <a:prstGeom prst="line">
@@ -6164,7 +6080,7 @@
         </p:nvCxnSpPr>
         <p:spPr>
           <a:xfrm>
-            <a:off x="5057974" y="2193510"/>
+            <a:off x="5547088" y="2193510"/>
             <a:ext cx="149026" cy="0"/>
           </a:xfrm>
           <a:prstGeom prst="line">
@@ -6199,7 +6115,7 @@
         </p:nvCxnSpPr>
         <p:spPr>
           <a:xfrm flipV="1">
-            <a:off x="5207000" y="1829688"/>
+            <a:off x="5696114" y="1829688"/>
             <a:ext cx="0" cy="694178"/>
           </a:xfrm>
           <a:prstGeom prst="line">
@@ -6236,7 +6152,7 @@
         </p:nvCxnSpPr>
         <p:spPr>
           <a:xfrm>
-            <a:off x="5202504" y="1829690"/>
+            <a:off x="5691618" y="1829690"/>
             <a:ext cx="176887" cy="0"/>
           </a:xfrm>
           <a:prstGeom prst="straightConnector1">
@@ -6275,7 +6191,7 @@
         </p:nvCxnSpPr>
         <p:spPr>
           <a:xfrm flipV="1">
-            <a:off x="5623446" y="1829689"/>
+            <a:off x="6112560" y="1829689"/>
             <a:ext cx="145781" cy="1"/>
           </a:xfrm>
           <a:prstGeom prst="straightConnector1">
@@ -6311,7 +6227,7 @@
         </p:nvCxnSpPr>
         <p:spPr>
           <a:xfrm>
-            <a:off x="5057974" y="2854202"/>
+            <a:off x="5547088" y="2854202"/>
             <a:ext cx="144530" cy="0"/>
           </a:xfrm>
           <a:prstGeom prst="line">
@@ -6346,7 +6262,7 @@
         </p:nvCxnSpPr>
         <p:spPr>
           <a:xfrm>
-            <a:off x="5202504" y="2851235"/>
+            <a:off x="5691618" y="2851235"/>
             <a:ext cx="0" cy="249288"/>
           </a:xfrm>
           <a:prstGeom prst="line">
@@ -6383,7 +6299,7 @@
         </p:nvCxnSpPr>
         <p:spPr>
           <a:xfrm>
-            <a:off x="5202504" y="3100523"/>
+            <a:off x="5691618" y="3100523"/>
             <a:ext cx="174078" cy="1"/>
           </a:xfrm>
           <a:prstGeom prst="straightConnector1">
@@ -6419,7 +6335,7 @@
         </p:nvGrpSpPr>
         <p:grpSpPr>
           <a:xfrm>
-            <a:off x="5833131" y="2330347"/>
+            <a:off x="6322245" y="2330347"/>
             <a:ext cx="116246" cy="135731"/>
             <a:chOff x="6338888" y="2933700"/>
             <a:chExt cx="142875" cy="166823"/>
@@ -6644,7 +6560,7 @@
         </p:nvSpPr>
         <p:spPr>
           <a:xfrm>
-            <a:off x="2058916" y="3499101"/>
+            <a:off x="1681888" y="3424964"/>
             <a:ext cx="312906" cy="230832"/>
           </a:xfrm>
           <a:prstGeom prst="rect">
@@ -6680,7 +6596,7 @@
         </p:nvSpPr>
         <p:spPr>
           <a:xfrm>
-            <a:off x="4901521" y="3493082"/>
+            <a:off x="5390635" y="3431947"/>
             <a:ext cx="319318" cy="230832"/>
           </a:xfrm>
           <a:prstGeom prst="rect">
@@ -6708,6 +6624,404 @@
           </a:p>
         </p:txBody>
       </p:sp>
+      <p:sp>
+        <p:nvSpPr>
+          <p:cNvPr id="2" name="文本框 1"/>
+          <p:cNvSpPr txBox="1"/>
+          <p:nvPr/>
+        </p:nvSpPr>
+        <p:spPr>
+          <a:xfrm>
+            <a:off x="1808194" y="2771692"/>
+            <a:ext cx="431528" cy="307777"/>
+          </a:xfrm>
+          <a:prstGeom prst="rect">
+            <a:avLst/>
+          </a:prstGeom>
+          <a:noFill/>
+        </p:spPr>
+        <p:txBody>
+          <a:bodyPr wrap="none" rtlCol="0">
+            <a:spAutoFit/>
+          </a:bodyPr>
+          <a:lstStyle/>
+          <a:p>
+            <a:r>
+              <a:rPr lang="en-US" altLang="zh-CN" sz="1400" dirty="0" smtClean="0"/>
+              <a:t>……</a:t>
+            </a:r>
+            <a:endParaRPr lang="zh-CN" altLang="en-US" sz="1400" dirty="0"/>
+          </a:p>
+        </p:txBody>
+      </p:sp>
+      <p:cxnSp>
+        <p:nvCxnSpPr>
+          <p:cNvPr id="87" name="直接箭头连接符 86"/>
+          <p:cNvCxnSpPr/>
+          <p:nvPr/>
+        </p:nvCxnSpPr>
+        <p:spPr>
+          <a:xfrm flipV="1">
+            <a:off x="1597053" y="2049401"/>
+            <a:ext cx="1194" cy="156944"/>
+          </a:xfrm>
+          <a:prstGeom prst="straightConnector1">
+            <a:avLst/>
+          </a:prstGeom>
+          <a:ln w="9525">
+            <a:solidFill>
+              <a:srgbClr val="525252"/>
+            </a:solidFill>
+            <a:headEnd type="triangle" w="sm" len="med"/>
+            <a:tailEnd type="none" w="sm" len="med"/>
+          </a:ln>
+        </p:spPr>
+        <p:style>
+          <a:lnRef idx="1">
+            <a:schemeClr val="accent1"/>
+          </a:lnRef>
+          <a:fillRef idx="0">
+            <a:schemeClr val="accent1"/>
+          </a:fillRef>
+          <a:effectRef idx="0">
+            <a:schemeClr val="accent1"/>
+          </a:effectRef>
+          <a:fontRef idx="minor">
+            <a:schemeClr val="tx1"/>
+          </a:fontRef>
+        </p:style>
+      </p:cxnSp>
+      <p:cxnSp>
+        <p:nvCxnSpPr>
+          <p:cNvPr id="88" name="直接箭头连接符 87"/>
+          <p:cNvCxnSpPr/>
+          <p:nvPr/>
+        </p:nvCxnSpPr>
+        <p:spPr>
+          <a:xfrm flipV="1">
+            <a:off x="2452277" y="2049401"/>
+            <a:ext cx="1194" cy="156944"/>
+          </a:xfrm>
+          <a:prstGeom prst="straightConnector1">
+            <a:avLst/>
+          </a:prstGeom>
+          <a:ln w="9525">
+            <a:solidFill>
+              <a:srgbClr val="525252"/>
+            </a:solidFill>
+            <a:headEnd type="none" w="sm" len="med"/>
+            <a:tailEnd type="triangle" w="sm" len="med"/>
+          </a:ln>
+        </p:spPr>
+        <p:style>
+          <a:lnRef idx="1">
+            <a:schemeClr val="accent1"/>
+          </a:lnRef>
+          <a:fillRef idx="0">
+            <a:schemeClr val="accent1"/>
+          </a:fillRef>
+          <a:effectRef idx="0">
+            <a:schemeClr val="accent1"/>
+          </a:effectRef>
+          <a:fontRef idx="minor">
+            <a:schemeClr val="tx1"/>
+          </a:fontRef>
+        </p:style>
+      </p:cxnSp>
+      <p:sp>
+        <p:nvSpPr>
+          <p:cNvPr id="20" name="文本框 19"/>
+          <p:cNvSpPr txBox="1"/>
+          <p:nvPr/>
+        </p:nvSpPr>
+        <p:spPr>
+          <a:xfrm>
+            <a:off x="2909353" y="2220090"/>
+            <a:ext cx="1006787" cy="369332"/>
+          </a:xfrm>
+          <a:prstGeom prst="rect">
+            <a:avLst/>
+          </a:prstGeom>
+          <a:noFill/>
+        </p:spPr>
+        <p:txBody>
+          <a:bodyPr wrap="square" rtlCol="0">
+            <a:spAutoFit/>
+          </a:bodyPr>
+          <a:lstStyle/>
+          <a:p>
+            <a:r>
+              <a:rPr lang="en-US" altLang="zh-CN" sz="900" dirty="0" smtClean="0"/>
+              <a:t>FP: </a:t>
+            </a:r>
+            <a:r>
+              <a:rPr lang="en-US" altLang="zh-CN" sz="900" dirty="0" err="1" smtClean="0"/>
+              <a:t>ReLU</a:t>
+            </a:r>
+            <a:r>
+              <a:rPr lang="en-US" altLang="zh-CN" sz="900" dirty="0" smtClean="0"/>
+              <a:t>/Pooling</a:t>
+            </a:r>
+          </a:p>
+          <a:p>
+            <a:r>
+              <a:rPr lang="en-US" altLang="zh-CN" sz="900" dirty="0" smtClean="0"/>
+              <a:t>BP: Sum</a:t>
+            </a:r>
+            <a:endParaRPr lang="zh-CN" altLang="en-US" sz="900" dirty="0"/>
+          </a:p>
+        </p:txBody>
+      </p:sp>
+      <p:sp>
+        <p:nvSpPr>
+          <p:cNvPr id="98" name="文本框 97"/>
+          <p:cNvSpPr txBox="1"/>
+          <p:nvPr/>
+        </p:nvSpPr>
+        <p:spPr>
+          <a:xfrm>
+            <a:off x="2915073" y="2006947"/>
+            <a:ext cx="1168183" cy="230832"/>
+          </a:xfrm>
+          <a:prstGeom prst="rect">
+            <a:avLst/>
+          </a:prstGeom>
+          <a:noFill/>
+        </p:spPr>
+        <p:txBody>
+          <a:bodyPr wrap="square" rtlCol="0">
+            <a:spAutoFit/>
+          </a:bodyPr>
+          <a:lstStyle/>
+          <a:p>
+            <a:r>
+              <a:rPr lang="en-US" altLang="zh-CN" sz="900" dirty="0" smtClean="0"/>
+              <a:t>BP: </a:t>
+            </a:r>
+            <a:r>
+              <a:rPr lang="en-US" altLang="zh-CN" sz="900" dirty="0" err="1" smtClean="0"/>
+              <a:t>ReLU</a:t>
+            </a:r>
+            <a:r>
+              <a:rPr lang="en-US" altLang="zh-CN" sz="900" dirty="0" smtClean="0"/>
+              <a:t>/Pooling/</a:t>
+            </a:r>
+            <a:endParaRPr lang="zh-CN" altLang="en-US" sz="900" dirty="0"/>
+          </a:p>
+        </p:txBody>
+      </p:sp>
+      <p:sp>
+        <p:nvSpPr>
+          <p:cNvPr id="100" name="文本框 99"/>
+          <p:cNvSpPr txBox="1"/>
+          <p:nvPr/>
+        </p:nvSpPr>
+        <p:spPr>
+          <a:xfrm>
+            <a:off x="2925093" y="2860463"/>
+            <a:ext cx="1166760" cy="230832"/>
+          </a:xfrm>
+          <a:prstGeom prst="rect">
+            <a:avLst/>
+          </a:prstGeom>
+          <a:noFill/>
+        </p:spPr>
+        <p:txBody>
+          <a:bodyPr wrap="square" rtlCol="0">
+            <a:spAutoFit/>
+          </a:bodyPr>
+          <a:lstStyle/>
+          <a:p>
+            <a:r>
+              <a:rPr lang="en-US" altLang="zh-CN" sz="900" dirty="0" smtClean="0"/>
+              <a:t>FP&amp;BP: CONV/FC</a:t>
+            </a:r>
+            <a:endParaRPr lang="zh-CN" altLang="en-US" sz="900" dirty="0"/>
+          </a:p>
+        </p:txBody>
+      </p:sp>
+      <p:cxnSp>
+        <p:nvCxnSpPr>
+          <p:cNvPr id="23" name="直接连接符 22"/>
+          <p:cNvCxnSpPr/>
+          <p:nvPr/>
+        </p:nvCxnSpPr>
+        <p:spPr>
+          <a:xfrm flipV="1">
+            <a:off x="1844703" y="2126975"/>
+            <a:ext cx="79513" cy="74487"/>
+          </a:xfrm>
+          <a:prstGeom prst="line">
+            <a:avLst/>
+          </a:prstGeom>
+        </p:spPr>
+        <p:style>
+          <a:lnRef idx="1">
+            <a:schemeClr val="accent1"/>
+          </a:lnRef>
+          <a:fillRef idx="0">
+            <a:schemeClr val="accent1"/>
+          </a:fillRef>
+          <a:effectRef idx="0">
+            <a:schemeClr val="accent1"/>
+          </a:effectRef>
+          <a:fontRef idx="minor">
+            <a:schemeClr val="tx1"/>
+          </a:fontRef>
+        </p:style>
+      </p:cxnSp>
+      <p:cxnSp>
+        <p:nvCxnSpPr>
+          <p:cNvPr id="26" name="直接连接符 25"/>
+          <p:cNvCxnSpPr/>
+          <p:nvPr/>
+        </p:nvCxnSpPr>
+        <p:spPr>
+          <a:xfrm>
+            <a:off x="1924216" y="2126975"/>
+            <a:ext cx="1069450" cy="0"/>
+          </a:xfrm>
+          <a:prstGeom prst="line">
+            <a:avLst/>
+          </a:prstGeom>
+        </p:spPr>
+        <p:style>
+          <a:lnRef idx="1">
+            <a:schemeClr val="accent1"/>
+          </a:lnRef>
+          <a:fillRef idx="0">
+            <a:schemeClr val="accent1"/>
+          </a:fillRef>
+          <a:effectRef idx="0">
+            <a:schemeClr val="accent1"/>
+          </a:effectRef>
+          <a:fontRef idx="minor">
+            <a:schemeClr val="tx1"/>
+          </a:fontRef>
+        </p:style>
+      </p:cxnSp>
+      <p:cxnSp>
+        <p:nvCxnSpPr>
+          <p:cNvPr id="38" name="直接连接符 37"/>
+          <p:cNvCxnSpPr>
+            <a:stCxn id="30" idx="2"/>
+          </p:cNvCxnSpPr>
+          <p:nvPr/>
+        </p:nvCxnSpPr>
+        <p:spPr>
+          <a:xfrm>
+            <a:off x="2443928" y="2378121"/>
+            <a:ext cx="56909" cy="39908"/>
+          </a:xfrm>
+          <a:prstGeom prst="line">
+            <a:avLst/>
+          </a:prstGeom>
+        </p:spPr>
+        <p:style>
+          <a:lnRef idx="1">
+            <a:schemeClr val="accent1"/>
+          </a:lnRef>
+          <a:fillRef idx="0">
+            <a:schemeClr val="accent1"/>
+          </a:fillRef>
+          <a:effectRef idx="0">
+            <a:schemeClr val="accent1"/>
+          </a:effectRef>
+          <a:fontRef idx="minor">
+            <a:schemeClr val="tx1"/>
+          </a:fontRef>
+        </p:style>
+      </p:cxnSp>
+      <p:cxnSp>
+        <p:nvCxnSpPr>
+          <p:cNvPr id="40" name="直接连接符 39"/>
+          <p:cNvCxnSpPr/>
+          <p:nvPr/>
+        </p:nvCxnSpPr>
+        <p:spPr>
+          <a:xfrm>
+            <a:off x="2500674" y="2415331"/>
+            <a:ext cx="485040" cy="0"/>
+          </a:xfrm>
+          <a:prstGeom prst="line">
+            <a:avLst/>
+          </a:prstGeom>
+        </p:spPr>
+        <p:style>
+          <a:lnRef idx="1">
+            <a:schemeClr val="accent1"/>
+          </a:lnRef>
+          <a:fillRef idx="0">
+            <a:schemeClr val="accent1"/>
+          </a:fillRef>
+          <a:effectRef idx="0">
+            <a:schemeClr val="accent1"/>
+          </a:effectRef>
+          <a:fontRef idx="minor">
+            <a:schemeClr val="tx1"/>
+          </a:fontRef>
+        </p:style>
+      </p:cxnSp>
+      <p:cxnSp>
+        <p:nvCxnSpPr>
+          <p:cNvPr id="44" name="直接连接符 43"/>
+          <p:cNvCxnSpPr/>
+          <p:nvPr/>
+        </p:nvCxnSpPr>
+        <p:spPr>
+          <a:xfrm flipV="1">
+            <a:off x="2254275" y="2975879"/>
+            <a:ext cx="112509" cy="98039"/>
+          </a:xfrm>
+          <a:prstGeom prst="line">
+            <a:avLst/>
+          </a:prstGeom>
+        </p:spPr>
+        <p:style>
+          <a:lnRef idx="1">
+            <a:schemeClr val="accent1"/>
+          </a:lnRef>
+          <a:fillRef idx="0">
+            <a:schemeClr val="accent1"/>
+          </a:fillRef>
+          <a:effectRef idx="0">
+            <a:schemeClr val="accent1"/>
+          </a:effectRef>
+          <a:fontRef idx="minor">
+            <a:schemeClr val="tx1"/>
+          </a:fontRef>
+        </p:style>
+      </p:cxnSp>
+      <p:cxnSp>
+        <p:nvCxnSpPr>
+          <p:cNvPr id="47" name="直接连接符 46"/>
+          <p:cNvCxnSpPr/>
+          <p:nvPr/>
+        </p:nvCxnSpPr>
+        <p:spPr>
+          <a:xfrm>
+            <a:off x="2362808" y="2976501"/>
+            <a:ext cx="625583" cy="0"/>
+          </a:xfrm>
+          <a:prstGeom prst="line">
+            <a:avLst/>
+          </a:prstGeom>
+        </p:spPr>
+        <p:style>
+          <a:lnRef idx="1">
+            <a:schemeClr val="accent1"/>
+          </a:lnRef>
+          <a:fillRef idx="0">
+            <a:schemeClr val="accent1"/>
+          </a:fillRef>
+          <a:effectRef idx="0">
+            <a:schemeClr val="accent1"/>
+          </a:effectRef>
+          <a:fontRef idx="minor">
+            <a:schemeClr val="tx1"/>
+          </a:fontRef>
+        </p:style>
+      </p:cxnSp>
     </p:spTree>
     <p:extLst>
       <p:ext uri="{BB962C8B-B14F-4D97-AF65-F5344CB8AC3E}">
